--- a/oral_projet/diaporama_revue_1_dylan.pptx
+++ b/oral_projet/diaporama_revue_1_dylan.pptx
@@ -7245,10 +7245,10 @@
       </p:cxnSp>
       <p:sp>
         <p:nvSpPr>
-          <p:cNvPr id="3" name="ZoneTexte 2">
-            <a:extLst>
-              <a:ext uri="{FF2B5EF4-FFF2-40B4-BE49-F238E27FC236}">
-                <a16:creationId xmlns:a16="http://schemas.microsoft.com/office/drawing/2014/main" id="{DCCD1615-1755-47F7-AF0B-75E932931245}"/>
+          <p:cNvPr id="9" name="ZoneTexte 8">
+            <a:extLst>
+              <a:ext uri="{FF2B5EF4-FFF2-40B4-BE49-F238E27FC236}">
+                <a16:creationId xmlns:a16="http://schemas.microsoft.com/office/drawing/2014/main" id="{82010251-0AD2-4DAA-8E6B-7CA6A2301A9E}"/>
               </a:ext>
             </a:extLst>
           </p:cNvPr>
@@ -7257,8 +7257,8 @@
         </p:nvSpPr>
         <p:spPr>
           <a:xfrm>
-            <a:off x="1156800" y="3143689"/>
-            <a:ext cx="2695434" cy="646331"/>
+            <a:off x="3852234" y="1187412"/>
+            <a:ext cx="7253761" cy="769441"/>
           </a:xfrm>
           <a:prstGeom prst="rect">
             <a:avLst/>
@@ -7271,19 +7271,129 @@
           </a:bodyPr>
           <a:lstStyle/>
           <a:p>
-            <a:endParaRPr lang="fr-FR" dirty="0"/>
-          </a:p>
-          <a:p>
-            <a:endParaRPr lang="fr-FR" dirty="0"/>
-          </a:p>
-        </p:txBody>
-      </p:sp>
-      <p:sp>
-        <p:nvSpPr>
-          <p:cNvPr id="9" name="ZoneTexte 8">
-            <a:extLst>
-              <a:ext uri="{FF2B5EF4-FFF2-40B4-BE49-F238E27FC236}">
-                <a16:creationId xmlns:a16="http://schemas.microsoft.com/office/drawing/2014/main" id="{82010251-0AD2-4DAA-8E6B-7CA6A2301A9E}"/>
+            <a:r>
+              <a:rPr lang="fr-FR" sz="4400" dirty="0">
+                <a:latin typeface="Berlin Sans FB" panose="020E0602020502020306" pitchFamily="34" charset="0"/>
+              </a:rPr>
+              <a:t>Partie Personnelle</a:t>
+            </a:r>
+          </a:p>
+        </p:txBody>
+      </p:sp>
+      <p:pic>
+        <p:nvPicPr>
+          <p:cNvPr id="4" name="Image 3">
+            <a:extLst>
+              <a:ext uri="{FF2B5EF4-FFF2-40B4-BE49-F238E27FC236}">
+                <a16:creationId xmlns:a16="http://schemas.microsoft.com/office/drawing/2014/main" id="{42AEDD3B-49E3-41EE-B961-A453EBF3420F}"/>
+              </a:ext>
+            </a:extLst>
+          </p:cNvPr>
+          <p:cNvPicPr>
+            <a:picLocks noChangeAspect="1"/>
+          </p:cNvPicPr>
+          <p:nvPr/>
+        </p:nvPicPr>
+        <p:blipFill>
+          <a:blip r:embed="rId4">
+            <a:extLst>
+              <a:ext uri="{28A0092B-C50C-407E-A947-70E740481C1C}">
+                <a14:useLocalDpi xmlns:a14="http://schemas.microsoft.com/office/drawing/2010/main" val="0"/>
+              </a:ext>
+            </a:extLst>
+          </a:blip>
+          <a:stretch>
+            <a:fillRect/>
+          </a:stretch>
+        </p:blipFill>
+        <p:spPr>
+          <a:xfrm>
+            <a:off x="1464739" y="4218156"/>
+            <a:ext cx="487653" cy="487653"/>
+          </a:xfrm>
+          <a:prstGeom prst="rect">
+            <a:avLst/>
+          </a:prstGeom>
+        </p:spPr>
+      </p:pic>
+      <p:pic>
+        <p:nvPicPr>
+          <p:cNvPr id="6" name="Image 5">
+            <a:extLst>
+              <a:ext uri="{FF2B5EF4-FFF2-40B4-BE49-F238E27FC236}">
+                <a16:creationId xmlns:a16="http://schemas.microsoft.com/office/drawing/2014/main" id="{9CA5B129-2C48-4F24-8502-BB2348DBBF32}"/>
+              </a:ext>
+            </a:extLst>
+          </p:cNvPr>
+          <p:cNvPicPr>
+            <a:picLocks noChangeAspect="1"/>
+          </p:cNvPicPr>
+          <p:nvPr/>
+        </p:nvPicPr>
+        <p:blipFill>
+          <a:blip r:embed="rId5">
+            <a:extLst>
+              <a:ext uri="{28A0092B-C50C-407E-A947-70E740481C1C}">
+                <a14:useLocalDpi xmlns:a14="http://schemas.microsoft.com/office/drawing/2010/main" val="0"/>
+              </a:ext>
+            </a:extLst>
+          </a:blip>
+          <a:stretch>
+            <a:fillRect/>
+          </a:stretch>
+        </p:blipFill>
+        <p:spPr>
+          <a:xfrm>
+            <a:off x="5324686" y="4226893"/>
+            <a:ext cx="487653" cy="487653"/>
+          </a:xfrm>
+          <a:prstGeom prst="rect">
+            <a:avLst/>
+          </a:prstGeom>
+        </p:spPr>
+      </p:pic>
+      <p:pic>
+        <p:nvPicPr>
+          <p:cNvPr id="11" name="Image 10">
+            <a:extLst>
+              <a:ext uri="{FF2B5EF4-FFF2-40B4-BE49-F238E27FC236}">
+                <a16:creationId xmlns:a16="http://schemas.microsoft.com/office/drawing/2014/main" id="{33354ECF-1E4E-41C6-A7F1-ED8598F41CFB}"/>
+              </a:ext>
+            </a:extLst>
+          </p:cNvPr>
+          <p:cNvPicPr>
+            <a:picLocks noChangeAspect="1"/>
+          </p:cNvPicPr>
+          <p:nvPr/>
+        </p:nvPicPr>
+        <p:blipFill>
+          <a:blip r:embed="rId6">
+            <a:extLst>
+              <a:ext uri="{28A0092B-C50C-407E-A947-70E740481C1C}">
+                <a14:useLocalDpi xmlns:a14="http://schemas.microsoft.com/office/drawing/2010/main" val="0"/>
+              </a:ext>
+            </a:extLst>
+          </a:blip>
+          <a:stretch>
+            <a:fillRect/>
+          </a:stretch>
+        </p:blipFill>
+        <p:spPr>
+          <a:xfrm>
+            <a:off x="9596060" y="4226892"/>
+            <a:ext cx="487653" cy="487653"/>
+          </a:xfrm>
+          <a:prstGeom prst="rect">
+            <a:avLst/>
+          </a:prstGeom>
+        </p:spPr>
+      </p:pic>
+      <p:sp>
+        <p:nvSpPr>
+          <p:cNvPr id="12" name="ZoneTexte 11">
+            <a:extLst>
+              <a:ext uri="{FF2B5EF4-FFF2-40B4-BE49-F238E27FC236}">
+                <a16:creationId xmlns:a16="http://schemas.microsoft.com/office/drawing/2014/main" id="{C36D6D75-636D-47B2-B48E-5ED906906EC3}"/>
               </a:ext>
             </a:extLst>
           </p:cNvPr>
@@ -7292,8 +7402,225 @@
         </p:nvSpPr>
         <p:spPr>
           <a:xfrm>
-            <a:off x="3852234" y="1187412"/>
-            <a:ext cx="7253761" cy="769441"/>
+            <a:off x="981410" y="4752646"/>
+            <a:ext cx="1454309" cy="400110"/>
+          </a:xfrm>
+          <a:prstGeom prst="rect">
+            <a:avLst/>
+          </a:prstGeom>
+          <a:noFill/>
+        </p:spPr>
+        <p:txBody>
+          <a:bodyPr wrap="none" rtlCol="0">
+            <a:spAutoFit/>
+          </a:bodyPr>
+          <a:lstStyle/>
+          <a:p>
+            <a:r>
+              <a:rPr lang="fr-FR" sz="2000" dirty="0"/>
+              <a:t>Pluviomètre</a:t>
+            </a:r>
+          </a:p>
+        </p:txBody>
+      </p:sp>
+      <p:sp>
+        <p:nvSpPr>
+          <p:cNvPr id="13" name="ZoneTexte 12">
+            <a:extLst>
+              <a:ext uri="{FF2B5EF4-FFF2-40B4-BE49-F238E27FC236}">
+                <a16:creationId xmlns:a16="http://schemas.microsoft.com/office/drawing/2014/main" id="{551F0C62-1ED9-441B-84D5-CCD02DC58DD4}"/>
+              </a:ext>
+            </a:extLst>
+          </p:cNvPr>
+          <p:cNvSpPr txBox="1"/>
+          <p:nvPr/>
+        </p:nvSpPr>
+        <p:spPr>
+          <a:xfrm>
+            <a:off x="4947347" y="4752646"/>
+            <a:ext cx="1242328" cy="400110"/>
+          </a:xfrm>
+          <a:prstGeom prst="rect">
+            <a:avLst/>
+          </a:prstGeom>
+          <a:noFill/>
+        </p:spPr>
+        <p:txBody>
+          <a:bodyPr wrap="none" rtlCol="0">
+            <a:spAutoFit/>
+          </a:bodyPr>
+          <a:lstStyle/>
+          <a:p>
+            <a:r>
+              <a:rPr lang="fr-FR" sz="2000" dirty="0"/>
+              <a:t>Raspberry</a:t>
+            </a:r>
+          </a:p>
+        </p:txBody>
+      </p:sp>
+      <p:sp>
+        <p:nvSpPr>
+          <p:cNvPr id="14" name="ZoneTexte 13">
+            <a:extLst>
+              <a:ext uri="{FF2B5EF4-FFF2-40B4-BE49-F238E27FC236}">
+                <a16:creationId xmlns:a16="http://schemas.microsoft.com/office/drawing/2014/main" id="{F175F06F-A9AC-4C6B-98FD-FBB87D809004}"/>
+              </a:ext>
+            </a:extLst>
+          </p:cNvPr>
+          <p:cNvSpPr txBox="1"/>
+          <p:nvPr/>
+        </p:nvSpPr>
+        <p:spPr>
+          <a:xfrm>
+            <a:off x="8657158" y="4771293"/>
+            <a:ext cx="2365456" cy="400110"/>
+          </a:xfrm>
+          <a:prstGeom prst="rect">
+            <a:avLst/>
+          </a:prstGeom>
+          <a:noFill/>
+        </p:spPr>
+        <p:txBody>
+          <a:bodyPr wrap="none" rtlCol="0">
+            <a:spAutoFit/>
+          </a:bodyPr>
+          <a:lstStyle/>
+          <a:p>
+            <a:r>
+              <a:rPr lang="fr-FR" sz="2000" dirty="0"/>
+              <a:t>Smartphone Android</a:t>
+            </a:r>
+          </a:p>
+        </p:txBody>
+      </p:sp>
+      <p:cxnSp>
+        <p:nvCxnSpPr>
+          <p:cNvPr id="17" name="Connecteur droit 16">
+            <a:extLst>
+              <a:ext uri="{FF2B5EF4-FFF2-40B4-BE49-F238E27FC236}">
+                <a16:creationId xmlns:a16="http://schemas.microsoft.com/office/drawing/2014/main" id="{F4A3FDDE-30CB-4B39-AB2B-AC8C4B998FD0}"/>
+              </a:ext>
+            </a:extLst>
+          </p:cNvPr>
+          <p:cNvCxnSpPr>
+            <a:stCxn id="4" idx="3"/>
+            <a:endCxn id="6" idx="1"/>
+          </p:cNvCxnSpPr>
+          <p:nvPr/>
+        </p:nvCxnSpPr>
+        <p:spPr>
+          <a:xfrm>
+            <a:off x="1952392" y="4461983"/>
+            <a:ext cx="3372294" cy="8737"/>
+          </a:xfrm>
+          <a:prstGeom prst="line">
+            <a:avLst/>
+          </a:prstGeom>
+          <a:ln w="76200"/>
+        </p:spPr>
+        <p:style>
+          <a:lnRef idx="1">
+            <a:schemeClr val="dk1"/>
+          </a:lnRef>
+          <a:fillRef idx="0">
+            <a:schemeClr val="dk1"/>
+          </a:fillRef>
+          <a:effectRef idx="0">
+            <a:schemeClr val="dk1"/>
+          </a:effectRef>
+          <a:fontRef idx="minor">
+            <a:schemeClr val="tx1"/>
+          </a:fontRef>
+        </p:style>
+      </p:cxnSp>
+      <p:pic>
+        <p:nvPicPr>
+          <p:cNvPr id="24" name="Image 23">
+            <a:extLst>
+              <a:ext uri="{FF2B5EF4-FFF2-40B4-BE49-F238E27FC236}">
+                <a16:creationId xmlns:a16="http://schemas.microsoft.com/office/drawing/2014/main" id="{7976A7FE-5C20-43B7-B2F9-FE5FADB13E70}"/>
+              </a:ext>
+            </a:extLst>
+          </p:cNvPr>
+          <p:cNvPicPr>
+            <a:picLocks noChangeAspect="1"/>
+          </p:cNvPicPr>
+          <p:nvPr/>
+        </p:nvPicPr>
+        <p:blipFill>
+          <a:blip r:embed="rId7">
+            <a:extLst>
+              <a:ext uri="{28A0092B-C50C-407E-A947-70E740481C1C}">
+                <a14:useLocalDpi xmlns:a14="http://schemas.microsoft.com/office/drawing/2010/main" val="0"/>
+              </a:ext>
+            </a:extLst>
+          </a:blip>
+          <a:stretch>
+            <a:fillRect/>
+          </a:stretch>
+        </p:blipFill>
+        <p:spPr>
+          <a:xfrm rot="5400000">
+            <a:off x="5812339" y="4292375"/>
+            <a:ext cx="356686" cy="356686"/>
+          </a:xfrm>
+          <a:prstGeom prst="rect">
+            <a:avLst/>
+          </a:prstGeom>
+        </p:spPr>
+      </p:pic>
+      <p:pic>
+        <p:nvPicPr>
+          <p:cNvPr id="31" name="Image 30">
+            <a:extLst>
+              <a:ext uri="{FF2B5EF4-FFF2-40B4-BE49-F238E27FC236}">
+                <a16:creationId xmlns:a16="http://schemas.microsoft.com/office/drawing/2014/main" id="{E6A3DEDB-2AF1-42D4-8694-C76CA730F162}"/>
+              </a:ext>
+            </a:extLst>
+          </p:cNvPr>
+          <p:cNvPicPr>
+            <a:picLocks noChangeAspect="1"/>
+          </p:cNvPicPr>
+          <p:nvPr/>
+        </p:nvPicPr>
+        <p:blipFill>
+          <a:blip r:embed="rId7">
+            <a:extLst>
+              <a:ext uri="{28A0092B-C50C-407E-A947-70E740481C1C}">
+                <a14:useLocalDpi xmlns:a14="http://schemas.microsoft.com/office/drawing/2010/main" val="0"/>
+              </a:ext>
+            </a:extLst>
+          </a:blip>
+          <a:stretch>
+            <a:fillRect/>
+          </a:stretch>
+        </p:blipFill>
+        <p:spPr>
+          <a:xfrm rot="16027204">
+            <a:off x="9410234" y="4283640"/>
+            <a:ext cx="356686" cy="356686"/>
+          </a:xfrm>
+          <a:prstGeom prst="rect">
+            <a:avLst/>
+          </a:prstGeom>
+        </p:spPr>
+      </p:pic>
+      <p:sp>
+        <p:nvSpPr>
+          <p:cNvPr id="25" name="ZoneTexte 24">
+            <a:extLst>
+              <a:ext uri="{FF2B5EF4-FFF2-40B4-BE49-F238E27FC236}">
+                <a16:creationId xmlns:a16="http://schemas.microsoft.com/office/drawing/2014/main" id="{25A0F177-1732-4F30-9987-FCE3DC419B4C}"/>
+              </a:ext>
+            </a:extLst>
+          </p:cNvPr>
+          <p:cNvSpPr txBox="1"/>
+          <p:nvPr/>
+        </p:nvSpPr>
+        <p:spPr>
+          <a:xfrm>
+            <a:off x="4379140" y="3289899"/>
+            <a:ext cx="2574590" cy="923330"/>
           </a:xfrm>
           <a:prstGeom prst="rect">
             <a:avLst/>
@@ -7306,15 +7633,197 @@
           </a:bodyPr>
           <a:lstStyle/>
           <a:p>
-            <a:r>
-              <a:rPr lang="fr-FR" sz="4400" dirty="0">
-                <a:latin typeface="Berlin Sans FB" panose="020E0602020502020306" pitchFamily="34" charset="0"/>
-              </a:rPr>
-              <a:t>Partie Personnelle</a:t>
-            </a:r>
-          </a:p>
-        </p:txBody>
-      </p:sp>
+            <a:pPr algn="ctr"/>
+            <a:r>
+              <a:rPr lang="fr-FR" i="1" dirty="0"/>
+              <a:t>Collecter les informations</a:t>
+            </a:r>
+          </a:p>
+          <a:p>
+            <a:pPr algn="ctr"/>
+            <a:r>
+              <a:rPr lang="fr-FR" i="1" dirty="0"/>
+              <a:t>de l’état du système</a:t>
+            </a:r>
+          </a:p>
+          <a:p>
+            <a:pPr marL="285750" indent="-285750">
+              <a:buFontTx/>
+              <a:buChar char="-"/>
+            </a:pPr>
+            <a:endParaRPr lang="fr-FR" dirty="0"/>
+          </a:p>
+        </p:txBody>
+      </p:sp>
+      <p:sp>
+        <p:nvSpPr>
+          <p:cNvPr id="27" name="ZoneTexte 26">
+            <a:extLst>
+              <a:ext uri="{FF2B5EF4-FFF2-40B4-BE49-F238E27FC236}">
+                <a16:creationId xmlns:a16="http://schemas.microsoft.com/office/drawing/2014/main" id="{51745CEA-0701-4B04-B71F-0113633EDD80}"/>
+              </a:ext>
+            </a:extLst>
+          </p:cNvPr>
+          <p:cNvSpPr txBox="1"/>
+          <p:nvPr/>
+        </p:nvSpPr>
+        <p:spPr>
+          <a:xfrm>
+            <a:off x="662984" y="3289899"/>
+            <a:ext cx="1938480" cy="646331"/>
+          </a:xfrm>
+          <a:prstGeom prst="rect">
+            <a:avLst/>
+          </a:prstGeom>
+          <a:noFill/>
+        </p:spPr>
+        <p:txBody>
+          <a:bodyPr wrap="none" rtlCol="0">
+            <a:spAutoFit/>
+          </a:bodyPr>
+          <a:lstStyle/>
+          <a:p>
+            <a:pPr algn="ctr"/>
+            <a:r>
+              <a:rPr lang="fr-FR" i="1" dirty="0"/>
+              <a:t>Acquérir la mesure</a:t>
+            </a:r>
+          </a:p>
+          <a:p>
+            <a:pPr algn="ctr"/>
+            <a:r>
+              <a:rPr lang="fr-FR" i="1" dirty="0"/>
+              <a:t>pluviométrique</a:t>
+            </a:r>
+          </a:p>
+        </p:txBody>
+      </p:sp>
+      <p:sp>
+        <p:nvSpPr>
+          <p:cNvPr id="28" name="ZoneTexte 27">
+            <a:extLst>
+              <a:ext uri="{FF2B5EF4-FFF2-40B4-BE49-F238E27FC236}">
+                <a16:creationId xmlns:a16="http://schemas.microsoft.com/office/drawing/2014/main" id="{0C7329F7-2CEC-4654-B4EA-0D2B69DCDD46}"/>
+              </a:ext>
+            </a:extLst>
+          </p:cNvPr>
+          <p:cNvSpPr txBox="1"/>
+          <p:nvPr/>
+        </p:nvSpPr>
+        <p:spPr>
+          <a:xfrm>
+            <a:off x="8086275" y="3348277"/>
+            <a:ext cx="3378761" cy="654342"/>
+          </a:xfrm>
+          <a:prstGeom prst="rect">
+            <a:avLst/>
+          </a:prstGeom>
+          <a:noFill/>
+        </p:spPr>
+        <p:txBody>
+          <a:bodyPr wrap="square" rtlCol="0">
+            <a:spAutoFit/>
+          </a:bodyPr>
+          <a:lstStyle/>
+          <a:p>
+            <a:pPr algn="ctr"/>
+            <a:r>
+              <a:rPr lang="fr-FR" i="1" dirty="0"/>
+              <a:t>Visualiser en temps réel l’état de fonctionnement du système</a:t>
+            </a:r>
+          </a:p>
+        </p:txBody>
+      </p:sp>
+      <p:pic>
+        <p:nvPicPr>
+          <p:cNvPr id="30" name="Image 29">
+            <a:extLst>
+              <a:ext uri="{FF2B5EF4-FFF2-40B4-BE49-F238E27FC236}">
+                <a16:creationId xmlns:a16="http://schemas.microsoft.com/office/drawing/2014/main" id="{E989C962-B54E-4C7D-A62E-5F9EFCA59389}"/>
+              </a:ext>
+            </a:extLst>
+          </p:cNvPr>
+          <p:cNvPicPr>
+            <a:picLocks noChangeAspect="1"/>
+          </p:cNvPicPr>
+          <p:nvPr/>
+        </p:nvPicPr>
+        <p:blipFill>
+          <a:blip r:embed="rId8"/>
+          <a:stretch>
+            <a:fillRect/>
+          </a:stretch>
+        </p:blipFill>
+        <p:spPr>
+          <a:xfrm>
+            <a:off x="959182" y="2893610"/>
+            <a:ext cx="1346083" cy="454667"/>
+          </a:xfrm>
+          <a:prstGeom prst="rect">
+            <a:avLst/>
+          </a:prstGeom>
+        </p:spPr>
+      </p:pic>
+      <p:pic>
+        <p:nvPicPr>
+          <p:cNvPr id="37" name="Image 36">
+            <a:extLst>
+              <a:ext uri="{FF2B5EF4-FFF2-40B4-BE49-F238E27FC236}">
+                <a16:creationId xmlns:a16="http://schemas.microsoft.com/office/drawing/2014/main" id="{89A5B769-D0CF-42AA-8641-2CF5B86FC451}"/>
+              </a:ext>
+            </a:extLst>
+          </p:cNvPr>
+          <p:cNvPicPr>
+            <a:picLocks noChangeAspect="1"/>
+          </p:cNvPicPr>
+          <p:nvPr/>
+        </p:nvPicPr>
+        <p:blipFill>
+          <a:blip r:embed="rId8"/>
+          <a:stretch>
+            <a:fillRect/>
+          </a:stretch>
+        </p:blipFill>
+        <p:spPr>
+          <a:xfrm>
+            <a:off x="4903624" y="2893610"/>
+            <a:ext cx="1346083" cy="454667"/>
+          </a:xfrm>
+          <a:prstGeom prst="rect">
+            <a:avLst/>
+          </a:prstGeom>
+        </p:spPr>
+      </p:pic>
+      <p:pic>
+        <p:nvPicPr>
+          <p:cNvPr id="33" name="Image 32">
+            <a:extLst>
+              <a:ext uri="{FF2B5EF4-FFF2-40B4-BE49-F238E27FC236}">
+                <a16:creationId xmlns:a16="http://schemas.microsoft.com/office/drawing/2014/main" id="{7A8BB6F4-FA91-44F2-B5D6-6243EB14398C}"/>
+              </a:ext>
+            </a:extLst>
+          </p:cNvPr>
+          <p:cNvPicPr>
+            <a:picLocks noChangeAspect="1"/>
+          </p:cNvPicPr>
+          <p:nvPr/>
+        </p:nvPicPr>
+        <p:blipFill>
+          <a:blip r:embed="rId9"/>
+          <a:stretch>
+            <a:fillRect/>
+          </a:stretch>
+        </p:blipFill>
+        <p:spPr>
+          <a:xfrm>
+            <a:off x="9351735" y="2713810"/>
+            <a:ext cx="847842" cy="635882"/>
+          </a:xfrm>
+          <a:prstGeom prst="rect">
+            <a:avLst/>
+          </a:prstGeom>
+        </p:spPr>
+      </p:pic>
     </p:spTree>
     <p:extLst>
       <p:ext uri="{BB962C8B-B14F-4D97-AF65-F5344CB8AC3E}">

--- a/oral_projet/diaporama_revue_1_dylan.pptx
+++ b/oral_projet/diaporama_revue_1_dylan.pptx
@@ -7816,8 +7816,38 @@
         </p:blipFill>
         <p:spPr>
           <a:xfrm>
-            <a:off x="9351735" y="2713810"/>
+            <a:off x="8848066" y="2688389"/>
             <a:ext cx="847842" cy="635882"/>
+          </a:xfrm>
+          <a:prstGeom prst="rect">
+            <a:avLst/>
+          </a:prstGeom>
+        </p:spPr>
+      </p:pic>
+      <p:pic>
+        <p:nvPicPr>
+          <p:cNvPr id="3" name="Image 2">
+            <a:extLst>
+              <a:ext uri="{FF2B5EF4-FFF2-40B4-BE49-F238E27FC236}">
+                <a16:creationId xmlns:a16="http://schemas.microsoft.com/office/drawing/2014/main" id="{0FD1A400-E328-435B-B204-E5CCF748940D}"/>
+              </a:ext>
+            </a:extLst>
+          </p:cNvPr>
+          <p:cNvPicPr>
+            <a:picLocks noChangeAspect="1"/>
+          </p:cNvPicPr>
+          <p:nvPr/>
+        </p:nvPicPr>
+        <p:blipFill>
+          <a:blip r:embed="rId10"/>
+          <a:stretch>
+            <a:fillRect/>
+          </a:stretch>
+        </p:blipFill>
+        <p:spPr>
+          <a:xfrm>
+            <a:off x="9695908" y="2676107"/>
+            <a:ext cx="972992" cy="643796"/>
           </a:xfrm>
           <a:prstGeom prst="rect">
             <a:avLst/>

--- a/oral_projet/diaporama_revue_1_dylan.pptx
+++ b/oral_projet/diaporama_revue_1_dylan.pptx
@@ -204,7 +204,7 @@
           <a:p>
             <a:fld id="{7BEC4371-174F-4615-858D-8B61BA547698}" type="datetimeFigureOut">
               <a:rPr lang="fr-FR" smtClean="0"/>
-              <a:t>25/01/2018</a:t>
+              <a:t>29/01/2018</a:t>
             </a:fld>
             <a:endParaRPr lang="fr-FR"/>
           </a:p>
@@ -618,7 +618,7 @@
           <a:p>
             <a:fld id="{125942D7-A464-4365-815E-3C7EAFC3F152}" type="datetimeFigureOut">
               <a:rPr lang="fr-FR" smtClean="0"/>
-              <a:t>25/01/2018</a:t>
+              <a:t>29/01/2018</a:t>
             </a:fld>
             <a:endParaRPr lang="fr-FR"/>
           </a:p>
@@ -828,7 +828,7 @@
           <a:p>
             <a:fld id="{125942D7-A464-4365-815E-3C7EAFC3F152}" type="datetimeFigureOut">
               <a:rPr lang="fr-FR" smtClean="0"/>
-              <a:t>25/01/2018</a:t>
+              <a:t>29/01/2018</a:t>
             </a:fld>
             <a:endParaRPr lang="fr-FR"/>
           </a:p>
@@ -1048,7 +1048,7 @@
           <a:p>
             <a:fld id="{125942D7-A464-4365-815E-3C7EAFC3F152}" type="datetimeFigureOut">
               <a:rPr lang="fr-FR" smtClean="0"/>
-              <a:t>25/01/2018</a:t>
+              <a:t>29/01/2018</a:t>
             </a:fld>
             <a:endParaRPr lang="fr-FR"/>
           </a:p>
@@ -1258,7 +1258,7 @@
           <a:p>
             <a:fld id="{125942D7-A464-4365-815E-3C7EAFC3F152}" type="datetimeFigureOut">
               <a:rPr lang="fr-FR" smtClean="0"/>
-              <a:t>25/01/2018</a:t>
+              <a:t>29/01/2018</a:t>
             </a:fld>
             <a:endParaRPr lang="fr-FR"/>
           </a:p>
@@ -1545,7 +1545,7 @@
           <a:p>
             <a:fld id="{125942D7-A464-4365-815E-3C7EAFC3F152}" type="datetimeFigureOut">
               <a:rPr lang="fr-FR" smtClean="0"/>
-              <a:t>25/01/2018</a:t>
+              <a:t>29/01/2018</a:t>
             </a:fld>
             <a:endParaRPr lang="fr-FR"/>
           </a:p>
@@ -1822,7 +1822,7 @@
           <a:p>
             <a:fld id="{125942D7-A464-4365-815E-3C7EAFC3F152}" type="datetimeFigureOut">
               <a:rPr lang="fr-FR" smtClean="0"/>
-              <a:t>25/01/2018</a:t>
+              <a:t>29/01/2018</a:t>
             </a:fld>
             <a:endParaRPr lang="fr-FR"/>
           </a:p>
@@ -2246,7 +2246,7 @@
           <a:p>
             <a:fld id="{125942D7-A464-4365-815E-3C7EAFC3F152}" type="datetimeFigureOut">
               <a:rPr lang="fr-FR" smtClean="0"/>
-              <a:t>25/01/2018</a:t>
+              <a:t>29/01/2018</a:t>
             </a:fld>
             <a:endParaRPr lang="fr-FR"/>
           </a:p>
@@ -2399,7 +2399,7 @@
           <a:p>
             <a:fld id="{125942D7-A464-4365-815E-3C7EAFC3F152}" type="datetimeFigureOut">
               <a:rPr lang="fr-FR" smtClean="0"/>
-              <a:t>25/01/2018</a:t>
+              <a:t>29/01/2018</a:t>
             </a:fld>
             <a:endParaRPr lang="fr-FR"/>
           </a:p>
@@ -2524,7 +2524,7 @@
           <a:p>
             <a:fld id="{125942D7-A464-4365-815E-3C7EAFC3F152}" type="datetimeFigureOut">
               <a:rPr lang="fr-FR" smtClean="0"/>
-              <a:t>25/01/2018</a:t>
+              <a:t>29/01/2018</a:t>
             </a:fld>
             <a:endParaRPr lang="fr-FR"/>
           </a:p>
@@ -2847,7 +2847,7 @@
           <a:p>
             <a:fld id="{125942D7-A464-4365-815E-3C7EAFC3F152}" type="datetimeFigureOut">
               <a:rPr lang="fr-FR" smtClean="0"/>
-              <a:t>25/01/2018</a:t>
+              <a:t>29/01/2018</a:t>
             </a:fld>
             <a:endParaRPr lang="fr-FR"/>
           </a:p>
@@ -3147,7 +3147,7 @@
           <a:p>
             <a:fld id="{125942D7-A464-4365-815E-3C7EAFC3F152}" type="datetimeFigureOut">
               <a:rPr lang="fr-FR" smtClean="0"/>
-              <a:t>25/01/2018</a:t>
+              <a:t>29/01/2018</a:t>
             </a:fld>
             <a:endParaRPr lang="fr-FR"/>
           </a:p>
@@ -3400,7 +3400,7 @@
           <a:p>
             <a:fld id="{125942D7-A464-4365-815E-3C7EAFC3F152}" type="datetimeFigureOut">
               <a:rPr lang="fr-FR" smtClean="0"/>
-              <a:t>25/01/2018</a:t>
+              <a:t>29/01/2018</a:t>
             </a:fld>
             <a:endParaRPr lang="fr-FR"/>
           </a:p>
@@ -7403,7 +7403,7 @@
         <p:spPr>
           <a:xfrm>
             <a:off x="981410" y="4752646"/>
-            <a:ext cx="1454309" cy="400110"/>
+            <a:ext cx="1486497" cy="400110"/>
           </a:xfrm>
           <a:prstGeom prst="rect">
             <a:avLst/>
@@ -7417,7 +7417,7 @@
           <a:lstStyle/>
           <a:p>
             <a:r>
-              <a:rPr lang="fr-FR" sz="2000" dirty="0"/>
+              <a:rPr lang="fr-FR" sz="2000" b="1" dirty="0"/>
               <a:t>Pluviomètre</a:t>
             </a:r>
           </a:p>
@@ -7438,7 +7438,7 @@
         <p:spPr>
           <a:xfrm>
             <a:off x="4947347" y="4752646"/>
-            <a:ext cx="1242328" cy="400110"/>
+            <a:ext cx="1269450" cy="400110"/>
           </a:xfrm>
           <a:prstGeom prst="rect">
             <a:avLst/>
@@ -7452,7 +7452,7 @@
           <a:lstStyle/>
           <a:p>
             <a:r>
-              <a:rPr lang="fr-FR" sz="2000" dirty="0"/>
+              <a:rPr lang="fr-FR" sz="2000" b="1" dirty="0"/>
               <a:t>Raspberry</a:t>
             </a:r>
           </a:p>
@@ -7473,7 +7473,7 @@
         <p:spPr>
           <a:xfrm>
             <a:off x="8657158" y="4771293"/>
-            <a:ext cx="2365456" cy="400110"/>
+            <a:ext cx="2417713" cy="400110"/>
           </a:xfrm>
           <a:prstGeom prst="rect">
             <a:avLst/>
@@ -7487,7 +7487,7 @@
           <a:lstStyle/>
           <a:p>
             <a:r>
-              <a:rPr lang="fr-FR" sz="2000" dirty="0"/>
+              <a:rPr lang="fr-FR" sz="2000" b="1" dirty="0"/>
               <a:t>Smartphone Android</a:t>
             </a:r>
           </a:p>

--- a/oral_projet/diaporama_revue_1_dylan.pptx
+++ b/oral_projet/diaporama_revue_1_dylan.pptx
@@ -5391,7 +5391,7 @@
         <p:spPr>
           <a:xfrm>
             <a:off x="2598862" y="2386341"/>
-            <a:ext cx="6223276" cy="646331"/>
+            <a:ext cx="6223276" cy="923330"/>
           </a:xfrm>
           <a:prstGeom prst="rect">
             <a:avLst/>
@@ -5409,7 +5409,7 @@
               <a:rPr lang="fr-FR" i="1" dirty="0">
                 <a:latin typeface="+mj-lt"/>
               </a:rPr>
-              <a:t>Le Groupe Olivier est spécialisé dans la production de tomates et concombres sous serres verre dans la région nantaise.</a:t>
+              <a:t>Le Groupe Olivier est spécialisé dans la production de tomates et  de concombres sous serres en verre dans la région nantaise à Haute-Goulaine et Saint-Julien-de-Concelles.</a:t>
             </a:r>
           </a:p>
         </p:txBody>

--- a/oral_projet/diaporama_revue_1_dylan.pptx
+++ b/oral_projet/diaporama_revue_1_dylan.pptx
@@ -4454,7 +4454,7 @@
             <a:pPr algn="ctr"/>
             <a:r>
               <a:rPr lang="fr-FR" sz="1200" dirty="0"/>
-              <a:t>Mr ANGIBAUD</a:t>
+              <a:t>M. ANGIBAUD</a:t>
             </a:r>
           </a:p>
           <a:p>
